--- a/WOOT/Figs/attack model/attack model.pptx
+++ b/WOOT/Figs/attack model/attack model.pptx
@@ -261,7 +261,7 @@
           <a:p>
             <a:fld id="{C3DC5842-34FC-4E31-AF34-C639E88C8B34}" type="datetimeFigureOut">
               <a:rPr lang="zh-CN" altLang="en-US" smtClean="0"/>
-              <a:t>2021/1/26</a:t>
+              <a:t>2021/1/29</a:t>
             </a:fld>
             <a:endParaRPr lang="zh-CN" altLang="en-US"/>
           </a:p>
@@ -459,7 +459,7 @@
           <a:p>
             <a:fld id="{C3DC5842-34FC-4E31-AF34-C639E88C8B34}" type="datetimeFigureOut">
               <a:rPr lang="zh-CN" altLang="en-US" smtClean="0"/>
-              <a:t>2021/1/26</a:t>
+              <a:t>2021/1/29</a:t>
             </a:fld>
             <a:endParaRPr lang="zh-CN" altLang="en-US"/>
           </a:p>
@@ -667,7 +667,7 @@
           <a:p>
             <a:fld id="{C3DC5842-34FC-4E31-AF34-C639E88C8B34}" type="datetimeFigureOut">
               <a:rPr lang="zh-CN" altLang="en-US" smtClean="0"/>
-              <a:t>2021/1/26</a:t>
+              <a:t>2021/1/29</a:t>
             </a:fld>
             <a:endParaRPr lang="zh-CN" altLang="en-US"/>
           </a:p>
@@ -865,7 +865,7 @@
           <a:p>
             <a:fld id="{C3DC5842-34FC-4E31-AF34-C639E88C8B34}" type="datetimeFigureOut">
               <a:rPr lang="zh-CN" altLang="en-US" smtClean="0"/>
-              <a:t>2021/1/26</a:t>
+              <a:t>2021/1/29</a:t>
             </a:fld>
             <a:endParaRPr lang="zh-CN" altLang="en-US"/>
           </a:p>
@@ -1140,7 +1140,7 @@
           <a:p>
             <a:fld id="{C3DC5842-34FC-4E31-AF34-C639E88C8B34}" type="datetimeFigureOut">
               <a:rPr lang="zh-CN" altLang="en-US" smtClean="0"/>
-              <a:t>2021/1/26</a:t>
+              <a:t>2021/1/29</a:t>
             </a:fld>
             <a:endParaRPr lang="zh-CN" altLang="en-US"/>
           </a:p>
@@ -1405,7 +1405,7 @@
           <a:p>
             <a:fld id="{C3DC5842-34FC-4E31-AF34-C639E88C8B34}" type="datetimeFigureOut">
               <a:rPr lang="zh-CN" altLang="en-US" smtClean="0"/>
-              <a:t>2021/1/26</a:t>
+              <a:t>2021/1/29</a:t>
             </a:fld>
             <a:endParaRPr lang="zh-CN" altLang="en-US"/>
           </a:p>
@@ -1817,7 +1817,7 @@
           <a:p>
             <a:fld id="{C3DC5842-34FC-4E31-AF34-C639E88C8B34}" type="datetimeFigureOut">
               <a:rPr lang="zh-CN" altLang="en-US" smtClean="0"/>
-              <a:t>2021/1/26</a:t>
+              <a:t>2021/1/29</a:t>
             </a:fld>
             <a:endParaRPr lang="zh-CN" altLang="en-US"/>
           </a:p>
@@ -1958,7 +1958,7 @@
           <a:p>
             <a:fld id="{C3DC5842-34FC-4E31-AF34-C639E88C8B34}" type="datetimeFigureOut">
               <a:rPr lang="zh-CN" altLang="en-US" smtClean="0"/>
-              <a:t>2021/1/26</a:t>
+              <a:t>2021/1/29</a:t>
             </a:fld>
             <a:endParaRPr lang="zh-CN" altLang="en-US"/>
           </a:p>
@@ -2071,7 +2071,7 @@
           <a:p>
             <a:fld id="{C3DC5842-34FC-4E31-AF34-C639E88C8B34}" type="datetimeFigureOut">
               <a:rPr lang="zh-CN" altLang="en-US" smtClean="0"/>
-              <a:t>2021/1/26</a:t>
+              <a:t>2021/1/29</a:t>
             </a:fld>
             <a:endParaRPr lang="zh-CN" altLang="en-US"/>
           </a:p>
@@ -2382,7 +2382,7 @@
           <a:p>
             <a:fld id="{C3DC5842-34FC-4E31-AF34-C639E88C8B34}" type="datetimeFigureOut">
               <a:rPr lang="zh-CN" altLang="en-US" smtClean="0"/>
-              <a:t>2021/1/26</a:t>
+              <a:t>2021/1/29</a:t>
             </a:fld>
             <a:endParaRPr lang="zh-CN" altLang="en-US"/>
           </a:p>
@@ -2670,7 +2670,7 @@
           <a:p>
             <a:fld id="{C3DC5842-34FC-4E31-AF34-C639E88C8B34}" type="datetimeFigureOut">
               <a:rPr lang="zh-CN" altLang="en-US" smtClean="0"/>
-              <a:t>2021/1/26</a:t>
+              <a:t>2021/1/29</a:t>
             </a:fld>
             <a:endParaRPr lang="zh-CN" altLang="en-US"/>
           </a:p>
@@ -2911,7 +2911,7 @@
           <a:p>
             <a:fld id="{C3DC5842-34FC-4E31-AF34-C639E88C8B34}" type="datetimeFigureOut">
               <a:rPr lang="zh-CN" altLang="en-US" smtClean="0"/>
-              <a:t>2021/1/26</a:t>
+              <a:t>2021/1/29</a:t>
             </a:fld>
             <a:endParaRPr lang="zh-CN" altLang="en-US"/>
           </a:p>
@@ -6220,6 +6220,438 @@
           </a:p>
         </p:txBody>
       </p:sp>
+      <p:sp>
+        <p:nvSpPr>
+          <p:cNvPr id="68" name="椭圆 67">
+            <a:extLst>
+              <a:ext uri="{FF2B5EF4-FFF2-40B4-BE49-F238E27FC236}">
+                <a16:creationId xmlns:a16="http://schemas.microsoft.com/office/drawing/2014/main" id="{241E844E-ABD1-486A-9E16-AACB41625FA4}"/>
+              </a:ext>
+            </a:extLst>
+          </p:cNvPr>
+          <p:cNvSpPr/>
+          <p:nvPr/>
+        </p:nvSpPr>
+        <p:spPr>
+          <a:xfrm>
+            <a:off x="162533" y="3417572"/>
+            <a:ext cx="452507" cy="452507"/>
+          </a:xfrm>
+          <a:prstGeom prst="ellipse">
+            <a:avLst/>
+          </a:prstGeom>
+        </p:spPr>
+        <p:style>
+          <a:lnRef idx="2">
+            <a:schemeClr val="accent2">
+              <a:shade val="50000"/>
+            </a:schemeClr>
+          </a:lnRef>
+          <a:fillRef idx="1">
+            <a:schemeClr val="accent2"/>
+          </a:fillRef>
+          <a:effectRef idx="0">
+            <a:schemeClr val="accent2"/>
+          </a:effectRef>
+          <a:fontRef idx="minor">
+            <a:schemeClr val="lt1"/>
+          </a:fontRef>
+        </p:style>
+        <p:txBody>
+          <a:bodyPr rtlCol="0" anchor="ctr"/>
+          <a:lstStyle>
+            <a:defPPr>
+              <a:defRPr lang="zh-CN"/>
+            </a:defPPr>
+            <a:lvl1pPr marL="0" algn="l" defTabSz="914400" rtl="0" eaLnBrk="1" latinLnBrk="0" hangingPunct="1">
+              <a:defRPr sz="1800" kern="1200">
+                <a:solidFill>
+                  <a:schemeClr val="lt1"/>
+                </a:solidFill>
+                <a:latin typeface="+mn-lt"/>
+                <a:ea typeface="+mn-ea"/>
+                <a:cs typeface="+mn-cs"/>
+              </a:defRPr>
+            </a:lvl1pPr>
+            <a:lvl2pPr marL="457200" algn="l" defTabSz="914400" rtl="0" eaLnBrk="1" latinLnBrk="0" hangingPunct="1">
+              <a:defRPr sz="1800" kern="1200">
+                <a:solidFill>
+                  <a:schemeClr val="lt1"/>
+                </a:solidFill>
+                <a:latin typeface="+mn-lt"/>
+                <a:ea typeface="+mn-ea"/>
+                <a:cs typeface="+mn-cs"/>
+              </a:defRPr>
+            </a:lvl2pPr>
+            <a:lvl3pPr marL="914400" algn="l" defTabSz="914400" rtl="0" eaLnBrk="1" latinLnBrk="0" hangingPunct="1">
+              <a:defRPr sz="1800" kern="1200">
+                <a:solidFill>
+                  <a:schemeClr val="lt1"/>
+                </a:solidFill>
+                <a:latin typeface="+mn-lt"/>
+                <a:ea typeface="+mn-ea"/>
+                <a:cs typeface="+mn-cs"/>
+              </a:defRPr>
+            </a:lvl3pPr>
+            <a:lvl4pPr marL="1371600" algn="l" defTabSz="914400" rtl="0" eaLnBrk="1" latinLnBrk="0" hangingPunct="1">
+              <a:defRPr sz="1800" kern="1200">
+                <a:solidFill>
+                  <a:schemeClr val="lt1"/>
+                </a:solidFill>
+                <a:latin typeface="+mn-lt"/>
+                <a:ea typeface="+mn-ea"/>
+                <a:cs typeface="+mn-cs"/>
+              </a:defRPr>
+            </a:lvl4pPr>
+            <a:lvl5pPr marL="1828800" algn="l" defTabSz="914400" rtl="0" eaLnBrk="1" latinLnBrk="0" hangingPunct="1">
+              <a:defRPr sz="1800" kern="1200">
+                <a:solidFill>
+                  <a:schemeClr val="lt1"/>
+                </a:solidFill>
+                <a:latin typeface="+mn-lt"/>
+                <a:ea typeface="+mn-ea"/>
+                <a:cs typeface="+mn-cs"/>
+              </a:defRPr>
+            </a:lvl5pPr>
+            <a:lvl6pPr marL="2286000" algn="l" defTabSz="914400" rtl="0" eaLnBrk="1" latinLnBrk="0" hangingPunct="1">
+              <a:defRPr sz="1800" kern="1200">
+                <a:solidFill>
+                  <a:schemeClr val="lt1"/>
+                </a:solidFill>
+                <a:latin typeface="+mn-lt"/>
+                <a:ea typeface="+mn-ea"/>
+                <a:cs typeface="+mn-cs"/>
+              </a:defRPr>
+            </a:lvl6pPr>
+            <a:lvl7pPr marL="2743200" algn="l" defTabSz="914400" rtl="0" eaLnBrk="1" latinLnBrk="0" hangingPunct="1">
+              <a:defRPr sz="1800" kern="1200">
+                <a:solidFill>
+                  <a:schemeClr val="lt1"/>
+                </a:solidFill>
+                <a:latin typeface="+mn-lt"/>
+                <a:ea typeface="+mn-ea"/>
+                <a:cs typeface="+mn-cs"/>
+              </a:defRPr>
+            </a:lvl7pPr>
+            <a:lvl8pPr marL="3200400" algn="l" defTabSz="914400" rtl="0" eaLnBrk="1" latinLnBrk="0" hangingPunct="1">
+              <a:defRPr sz="1800" kern="1200">
+                <a:solidFill>
+                  <a:schemeClr val="lt1"/>
+                </a:solidFill>
+                <a:latin typeface="+mn-lt"/>
+                <a:ea typeface="+mn-ea"/>
+                <a:cs typeface="+mn-cs"/>
+              </a:defRPr>
+            </a:lvl8pPr>
+            <a:lvl9pPr marL="3657600" algn="l" defTabSz="914400" rtl="0" eaLnBrk="1" latinLnBrk="0" hangingPunct="1">
+              <a:defRPr sz="1800" kern="1200">
+                <a:solidFill>
+                  <a:schemeClr val="lt1"/>
+                </a:solidFill>
+                <a:latin typeface="+mn-lt"/>
+                <a:ea typeface="+mn-ea"/>
+                <a:cs typeface="+mn-cs"/>
+              </a:defRPr>
+            </a:lvl9pPr>
+          </a:lstStyle>
+          <a:p>
+            <a:pPr algn="ctr"/>
+            <a:r>
+              <a:rPr lang="en-US" altLang="zh-CN" sz="2000" b="1" dirty="0"/>
+              <a:t>1</a:t>
+            </a:r>
+            <a:endParaRPr lang="zh-CN" altLang="en-US" sz="2000" b="1" dirty="0"/>
+          </a:p>
+        </p:txBody>
+      </p:sp>
+      <p:sp>
+        <p:nvSpPr>
+          <p:cNvPr id="73" name="椭圆 72">
+            <a:extLst>
+              <a:ext uri="{FF2B5EF4-FFF2-40B4-BE49-F238E27FC236}">
+                <a16:creationId xmlns:a16="http://schemas.microsoft.com/office/drawing/2014/main" id="{08A28F8B-B830-4E49-922E-3013F750A34F}"/>
+              </a:ext>
+            </a:extLst>
+          </p:cNvPr>
+          <p:cNvSpPr/>
+          <p:nvPr/>
+        </p:nvSpPr>
+        <p:spPr>
+          <a:xfrm>
+            <a:off x="162656" y="214990"/>
+            <a:ext cx="452507" cy="452507"/>
+          </a:xfrm>
+          <a:prstGeom prst="ellipse">
+            <a:avLst/>
+          </a:prstGeom>
+        </p:spPr>
+        <p:style>
+          <a:lnRef idx="2">
+            <a:schemeClr val="accent2">
+              <a:shade val="50000"/>
+            </a:schemeClr>
+          </a:lnRef>
+          <a:fillRef idx="1">
+            <a:schemeClr val="accent2"/>
+          </a:fillRef>
+          <a:effectRef idx="0">
+            <a:schemeClr val="accent2"/>
+          </a:effectRef>
+          <a:fontRef idx="minor">
+            <a:schemeClr val="lt1"/>
+          </a:fontRef>
+        </p:style>
+        <p:txBody>
+          <a:bodyPr rtlCol="0" anchor="ctr"/>
+          <a:lstStyle>
+            <a:defPPr>
+              <a:defRPr lang="zh-CN"/>
+            </a:defPPr>
+            <a:lvl1pPr marL="0" algn="l" defTabSz="914400" rtl="0" eaLnBrk="1" latinLnBrk="0" hangingPunct="1">
+              <a:defRPr sz="1800" kern="1200">
+                <a:solidFill>
+                  <a:schemeClr val="lt1"/>
+                </a:solidFill>
+                <a:latin typeface="+mn-lt"/>
+                <a:ea typeface="+mn-ea"/>
+                <a:cs typeface="+mn-cs"/>
+              </a:defRPr>
+            </a:lvl1pPr>
+            <a:lvl2pPr marL="457200" algn="l" defTabSz="914400" rtl="0" eaLnBrk="1" latinLnBrk="0" hangingPunct="1">
+              <a:defRPr sz="1800" kern="1200">
+                <a:solidFill>
+                  <a:schemeClr val="lt1"/>
+                </a:solidFill>
+                <a:latin typeface="+mn-lt"/>
+                <a:ea typeface="+mn-ea"/>
+                <a:cs typeface="+mn-cs"/>
+              </a:defRPr>
+            </a:lvl2pPr>
+            <a:lvl3pPr marL="914400" algn="l" defTabSz="914400" rtl="0" eaLnBrk="1" latinLnBrk="0" hangingPunct="1">
+              <a:defRPr sz="1800" kern="1200">
+                <a:solidFill>
+                  <a:schemeClr val="lt1"/>
+                </a:solidFill>
+                <a:latin typeface="+mn-lt"/>
+                <a:ea typeface="+mn-ea"/>
+                <a:cs typeface="+mn-cs"/>
+              </a:defRPr>
+            </a:lvl3pPr>
+            <a:lvl4pPr marL="1371600" algn="l" defTabSz="914400" rtl="0" eaLnBrk="1" latinLnBrk="0" hangingPunct="1">
+              <a:defRPr sz="1800" kern="1200">
+                <a:solidFill>
+                  <a:schemeClr val="lt1"/>
+                </a:solidFill>
+                <a:latin typeface="+mn-lt"/>
+                <a:ea typeface="+mn-ea"/>
+                <a:cs typeface="+mn-cs"/>
+              </a:defRPr>
+            </a:lvl4pPr>
+            <a:lvl5pPr marL="1828800" algn="l" defTabSz="914400" rtl="0" eaLnBrk="1" latinLnBrk="0" hangingPunct="1">
+              <a:defRPr sz="1800" kern="1200">
+                <a:solidFill>
+                  <a:schemeClr val="lt1"/>
+                </a:solidFill>
+                <a:latin typeface="+mn-lt"/>
+                <a:ea typeface="+mn-ea"/>
+                <a:cs typeface="+mn-cs"/>
+              </a:defRPr>
+            </a:lvl5pPr>
+            <a:lvl6pPr marL="2286000" algn="l" defTabSz="914400" rtl="0" eaLnBrk="1" latinLnBrk="0" hangingPunct="1">
+              <a:defRPr sz="1800" kern="1200">
+                <a:solidFill>
+                  <a:schemeClr val="lt1"/>
+                </a:solidFill>
+                <a:latin typeface="+mn-lt"/>
+                <a:ea typeface="+mn-ea"/>
+                <a:cs typeface="+mn-cs"/>
+              </a:defRPr>
+            </a:lvl6pPr>
+            <a:lvl7pPr marL="2743200" algn="l" defTabSz="914400" rtl="0" eaLnBrk="1" latinLnBrk="0" hangingPunct="1">
+              <a:defRPr sz="1800" kern="1200">
+                <a:solidFill>
+                  <a:schemeClr val="lt1"/>
+                </a:solidFill>
+                <a:latin typeface="+mn-lt"/>
+                <a:ea typeface="+mn-ea"/>
+                <a:cs typeface="+mn-cs"/>
+              </a:defRPr>
+            </a:lvl7pPr>
+            <a:lvl8pPr marL="3200400" algn="l" defTabSz="914400" rtl="0" eaLnBrk="1" latinLnBrk="0" hangingPunct="1">
+              <a:defRPr sz="1800" kern="1200">
+                <a:solidFill>
+                  <a:schemeClr val="lt1"/>
+                </a:solidFill>
+                <a:latin typeface="+mn-lt"/>
+                <a:ea typeface="+mn-ea"/>
+                <a:cs typeface="+mn-cs"/>
+              </a:defRPr>
+            </a:lvl8pPr>
+            <a:lvl9pPr marL="3657600" algn="l" defTabSz="914400" rtl="0" eaLnBrk="1" latinLnBrk="0" hangingPunct="1">
+              <a:defRPr sz="1800" kern="1200">
+                <a:solidFill>
+                  <a:schemeClr val="lt1"/>
+                </a:solidFill>
+                <a:latin typeface="+mn-lt"/>
+                <a:ea typeface="+mn-ea"/>
+                <a:cs typeface="+mn-cs"/>
+              </a:defRPr>
+            </a:lvl9pPr>
+          </a:lstStyle>
+          <a:p>
+            <a:pPr algn="ctr"/>
+            <a:r>
+              <a:rPr lang="en-US" altLang="zh-CN" sz="2000" b="1" dirty="0"/>
+              <a:t>3</a:t>
+            </a:r>
+            <a:endParaRPr lang="zh-CN" altLang="en-US" sz="2000" b="1" dirty="0"/>
+          </a:p>
+        </p:txBody>
+      </p:sp>
+      <p:sp>
+        <p:nvSpPr>
+          <p:cNvPr id="78" name="椭圆 77">
+            <a:extLst>
+              <a:ext uri="{FF2B5EF4-FFF2-40B4-BE49-F238E27FC236}">
+                <a16:creationId xmlns:a16="http://schemas.microsoft.com/office/drawing/2014/main" id="{70B88454-2958-41C5-8E71-873602B57C73}"/>
+              </a:ext>
+            </a:extLst>
+          </p:cNvPr>
+          <p:cNvSpPr/>
+          <p:nvPr/>
+        </p:nvSpPr>
+        <p:spPr>
+          <a:xfrm>
+            <a:off x="5444584" y="42825"/>
+            <a:ext cx="452507" cy="452507"/>
+          </a:xfrm>
+          <a:prstGeom prst="ellipse">
+            <a:avLst/>
+          </a:prstGeom>
+        </p:spPr>
+        <p:style>
+          <a:lnRef idx="2">
+            <a:schemeClr val="accent2">
+              <a:shade val="50000"/>
+            </a:schemeClr>
+          </a:lnRef>
+          <a:fillRef idx="1">
+            <a:schemeClr val="accent2"/>
+          </a:fillRef>
+          <a:effectRef idx="0">
+            <a:schemeClr val="accent2"/>
+          </a:effectRef>
+          <a:fontRef idx="minor">
+            <a:schemeClr val="lt1"/>
+          </a:fontRef>
+        </p:style>
+        <p:txBody>
+          <a:bodyPr rtlCol="0" anchor="ctr"/>
+          <a:lstStyle>
+            <a:defPPr>
+              <a:defRPr lang="zh-CN"/>
+            </a:defPPr>
+            <a:lvl1pPr marL="0" algn="l" defTabSz="914400" rtl="0" eaLnBrk="1" latinLnBrk="0" hangingPunct="1">
+              <a:defRPr sz="1800" kern="1200">
+                <a:solidFill>
+                  <a:schemeClr val="lt1"/>
+                </a:solidFill>
+                <a:latin typeface="+mn-lt"/>
+                <a:ea typeface="+mn-ea"/>
+                <a:cs typeface="+mn-cs"/>
+              </a:defRPr>
+            </a:lvl1pPr>
+            <a:lvl2pPr marL="457200" algn="l" defTabSz="914400" rtl="0" eaLnBrk="1" latinLnBrk="0" hangingPunct="1">
+              <a:defRPr sz="1800" kern="1200">
+                <a:solidFill>
+                  <a:schemeClr val="lt1"/>
+                </a:solidFill>
+                <a:latin typeface="+mn-lt"/>
+                <a:ea typeface="+mn-ea"/>
+                <a:cs typeface="+mn-cs"/>
+              </a:defRPr>
+            </a:lvl2pPr>
+            <a:lvl3pPr marL="914400" algn="l" defTabSz="914400" rtl="0" eaLnBrk="1" latinLnBrk="0" hangingPunct="1">
+              <a:defRPr sz="1800" kern="1200">
+                <a:solidFill>
+                  <a:schemeClr val="lt1"/>
+                </a:solidFill>
+                <a:latin typeface="+mn-lt"/>
+                <a:ea typeface="+mn-ea"/>
+                <a:cs typeface="+mn-cs"/>
+              </a:defRPr>
+            </a:lvl3pPr>
+            <a:lvl4pPr marL="1371600" algn="l" defTabSz="914400" rtl="0" eaLnBrk="1" latinLnBrk="0" hangingPunct="1">
+              <a:defRPr sz="1800" kern="1200">
+                <a:solidFill>
+                  <a:schemeClr val="lt1"/>
+                </a:solidFill>
+                <a:latin typeface="+mn-lt"/>
+                <a:ea typeface="+mn-ea"/>
+                <a:cs typeface="+mn-cs"/>
+              </a:defRPr>
+            </a:lvl4pPr>
+            <a:lvl5pPr marL="1828800" algn="l" defTabSz="914400" rtl="0" eaLnBrk="1" latinLnBrk="0" hangingPunct="1">
+              <a:defRPr sz="1800" kern="1200">
+                <a:solidFill>
+                  <a:schemeClr val="lt1"/>
+                </a:solidFill>
+                <a:latin typeface="+mn-lt"/>
+                <a:ea typeface="+mn-ea"/>
+                <a:cs typeface="+mn-cs"/>
+              </a:defRPr>
+            </a:lvl5pPr>
+            <a:lvl6pPr marL="2286000" algn="l" defTabSz="914400" rtl="0" eaLnBrk="1" latinLnBrk="0" hangingPunct="1">
+              <a:defRPr sz="1800" kern="1200">
+                <a:solidFill>
+                  <a:schemeClr val="lt1"/>
+                </a:solidFill>
+                <a:latin typeface="+mn-lt"/>
+                <a:ea typeface="+mn-ea"/>
+                <a:cs typeface="+mn-cs"/>
+              </a:defRPr>
+            </a:lvl6pPr>
+            <a:lvl7pPr marL="2743200" algn="l" defTabSz="914400" rtl="0" eaLnBrk="1" latinLnBrk="0" hangingPunct="1">
+              <a:defRPr sz="1800" kern="1200">
+                <a:solidFill>
+                  <a:schemeClr val="lt1"/>
+                </a:solidFill>
+                <a:latin typeface="+mn-lt"/>
+                <a:ea typeface="+mn-ea"/>
+                <a:cs typeface="+mn-cs"/>
+              </a:defRPr>
+            </a:lvl7pPr>
+            <a:lvl8pPr marL="3200400" algn="l" defTabSz="914400" rtl="0" eaLnBrk="1" latinLnBrk="0" hangingPunct="1">
+              <a:defRPr sz="1800" kern="1200">
+                <a:solidFill>
+                  <a:schemeClr val="lt1"/>
+                </a:solidFill>
+                <a:latin typeface="+mn-lt"/>
+                <a:ea typeface="+mn-ea"/>
+                <a:cs typeface="+mn-cs"/>
+              </a:defRPr>
+            </a:lvl8pPr>
+            <a:lvl9pPr marL="3657600" algn="l" defTabSz="914400" rtl="0" eaLnBrk="1" latinLnBrk="0" hangingPunct="1">
+              <a:defRPr sz="1800" kern="1200">
+                <a:solidFill>
+                  <a:schemeClr val="lt1"/>
+                </a:solidFill>
+                <a:latin typeface="+mn-lt"/>
+                <a:ea typeface="+mn-ea"/>
+                <a:cs typeface="+mn-cs"/>
+              </a:defRPr>
+            </a:lvl9pPr>
+          </a:lstStyle>
+          <a:p>
+            <a:pPr algn="ctr"/>
+            <a:r>
+              <a:rPr lang="en-US" altLang="zh-CN" sz="2000" b="1" dirty="0"/>
+              <a:t>2</a:t>
+            </a:r>
+            <a:endParaRPr lang="zh-CN" altLang="en-US" sz="2000" b="1" dirty="0"/>
+          </a:p>
+        </p:txBody>
+      </p:sp>
     </p:spTree>
     <p:extLst>
       <p:ext uri="{BB962C8B-B14F-4D97-AF65-F5344CB8AC3E}">

--- a/WOOT/Figs/attack model/attack model.pptx
+++ b/WOOT/Figs/attack model/attack model.pptx
@@ -261,7 +261,7 @@
           <a:p>
             <a:fld id="{C3DC5842-34FC-4E31-AF34-C639E88C8B34}" type="datetimeFigureOut">
               <a:rPr lang="zh-CN" altLang="en-US" smtClean="0"/>
-              <a:t>2021/1/29</a:t>
+              <a:t>2021/1/30</a:t>
             </a:fld>
             <a:endParaRPr lang="zh-CN" altLang="en-US"/>
           </a:p>
@@ -459,7 +459,7 @@
           <a:p>
             <a:fld id="{C3DC5842-34FC-4E31-AF34-C639E88C8B34}" type="datetimeFigureOut">
               <a:rPr lang="zh-CN" altLang="en-US" smtClean="0"/>
-              <a:t>2021/1/29</a:t>
+              <a:t>2021/1/30</a:t>
             </a:fld>
             <a:endParaRPr lang="zh-CN" altLang="en-US"/>
           </a:p>
@@ -667,7 +667,7 @@
           <a:p>
             <a:fld id="{C3DC5842-34FC-4E31-AF34-C639E88C8B34}" type="datetimeFigureOut">
               <a:rPr lang="zh-CN" altLang="en-US" smtClean="0"/>
-              <a:t>2021/1/29</a:t>
+              <a:t>2021/1/30</a:t>
             </a:fld>
             <a:endParaRPr lang="zh-CN" altLang="en-US"/>
           </a:p>
@@ -865,7 +865,7 @@
           <a:p>
             <a:fld id="{C3DC5842-34FC-4E31-AF34-C639E88C8B34}" type="datetimeFigureOut">
               <a:rPr lang="zh-CN" altLang="en-US" smtClean="0"/>
-              <a:t>2021/1/29</a:t>
+              <a:t>2021/1/30</a:t>
             </a:fld>
             <a:endParaRPr lang="zh-CN" altLang="en-US"/>
           </a:p>
@@ -1140,7 +1140,7 @@
           <a:p>
             <a:fld id="{C3DC5842-34FC-4E31-AF34-C639E88C8B34}" type="datetimeFigureOut">
               <a:rPr lang="zh-CN" altLang="en-US" smtClean="0"/>
-              <a:t>2021/1/29</a:t>
+              <a:t>2021/1/30</a:t>
             </a:fld>
             <a:endParaRPr lang="zh-CN" altLang="en-US"/>
           </a:p>
@@ -1405,7 +1405,7 @@
           <a:p>
             <a:fld id="{C3DC5842-34FC-4E31-AF34-C639E88C8B34}" type="datetimeFigureOut">
               <a:rPr lang="zh-CN" altLang="en-US" smtClean="0"/>
-              <a:t>2021/1/29</a:t>
+              <a:t>2021/1/30</a:t>
             </a:fld>
             <a:endParaRPr lang="zh-CN" altLang="en-US"/>
           </a:p>
@@ -1817,7 +1817,7 @@
           <a:p>
             <a:fld id="{C3DC5842-34FC-4E31-AF34-C639E88C8B34}" type="datetimeFigureOut">
               <a:rPr lang="zh-CN" altLang="en-US" smtClean="0"/>
-              <a:t>2021/1/29</a:t>
+              <a:t>2021/1/30</a:t>
             </a:fld>
             <a:endParaRPr lang="zh-CN" altLang="en-US"/>
           </a:p>
@@ -1958,7 +1958,7 @@
           <a:p>
             <a:fld id="{C3DC5842-34FC-4E31-AF34-C639E88C8B34}" type="datetimeFigureOut">
               <a:rPr lang="zh-CN" altLang="en-US" smtClean="0"/>
-              <a:t>2021/1/29</a:t>
+              <a:t>2021/1/30</a:t>
             </a:fld>
             <a:endParaRPr lang="zh-CN" altLang="en-US"/>
           </a:p>
@@ -2071,7 +2071,7 @@
           <a:p>
             <a:fld id="{C3DC5842-34FC-4E31-AF34-C639E88C8B34}" type="datetimeFigureOut">
               <a:rPr lang="zh-CN" altLang="en-US" smtClean="0"/>
-              <a:t>2021/1/29</a:t>
+              <a:t>2021/1/30</a:t>
             </a:fld>
             <a:endParaRPr lang="zh-CN" altLang="en-US"/>
           </a:p>
@@ -2382,7 +2382,7 @@
           <a:p>
             <a:fld id="{C3DC5842-34FC-4E31-AF34-C639E88C8B34}" type="datetimeFigureOut">
               <a:rPr lang="zh-CN" altLang="en-US" smtClean="0"/>
-              <a:t>2021/1/29</a:t>
+              <a:t>2021/1/30</a:t>
             </a:fld>
             <a:endParaRPr lang="zh-CN" altLang="en-US"/>
           </a:p>
@@ -2670,7 +2670,7 @@
           <a:p>
             <a:fld id="{C3DC5842-34FC-4E31-AF34-C639E88C8B34}" type="datetimeFigureOut">
               <a:rPr lang="zh-CN" altLang="en-US" smtClean="0"/>
-              <a:t>2021/1/29</a:t>
+              <a:t>2021/1/30</a:t>
             </a:fld>
             <a:endParaRPr lang="zh-CN" altLang="en-US"/>
           </a:p>
@@ -2911,7 +2911,7 @@
           <a:p>
             <a:fld id="{C3DC5842-34FC-4E31-AF34-C639E88C8B34}" type="datetimeFigureOut">
               <a:rPr lang="zh-CN" altLang="en-US" smtClean="0"/>
-              <a:t>2021/1/29</a:t>
+              <a:t>2021/1/30</a:t>
             </a:fld>
             <a:endParaRPr lang="zh-CN" altLang="en-US"/>
           </a:p>
@@ -6240,6 +6240,7 @@
           <a:prstGeom prst="ellipse">
             <a:avLst/>
           </a:prstGeom>
+          <a:ln/>
         </p:spPr>
         <p:style>
           <a:lnRef idx="2">
@@ -6358,7 +6359,7 @@
             <a:pPr algn="ctr"/>
             <a:r>
               <a:rPr lang="en-US" altLang="zh-CN" sz="2000" b="1" dirty="0"/>
-              <a:t>1</a:t>
+              <a:t>3</a:t>
             </a:r>
             <a:endParaRPr lang="zh-CN" altLang="en-US" sz="2000" b="1" dirty="0"/>
           </a:p>
@@ -6384,6 +6385,7 @@
           <a:prstGeom prst="ellipse">
             <a:avLst/>
           </a:prstGeom>
+          <a:ln/>
         </p:spPr>
         <p:style>
           <a:lnRef idx="2">
@@ -6502,7 +6504,7 @@
             <a:pPr algn="ctr"/>
             <a:r>
               <a:rPr lang="en-US" altLang="zh-CN" sz="2000" b="1" dirty="0"/>
-              <a:t>3</a:t>
+              <a:t>1</a:t>
             </a:r>
             <a:endParaRPr lang="zh-CN" altLang="en-US" sz="2000" b="1" dirty="0"/>
           </a:p>
@@ -6528,6 +6530,7 @@
           <a:prstGeom prst="ellipse">
             <a:avLst/>
           </a:prstGeom>
+          <a:ln/>
         </p:spPr>
         <p:style>
           <a:lnRef idx="2">
